--- a/Viva/presentation.pptx
+++ b/Viva/presentation.pptx
@@ -291,7 +291,7 @@
           <a:p>
             <a:fld id="{0D09D381-CF92-4F3A-98BB-952451E940D4}" type="datetimeFigureOut">
               <a:rPr lang="en-GB" smtClean="0"/>
-              <a:t>09/09/2019</a:t>
+              <a:t>10/09/2019</a:t>
             </a:fld>
             <a:endParaRPr lang="en-GB"/>
           </a:p>
@@ -461,7 +461,7 @@
           <a:p>
             <a:fld id="{0D09D381-CF92-4F3A-98BB-952451E940D4}" type="datetimeFigureOut">
               <a:rPr lang="en-GB" smtClean="0"/>
-              <a:t>09/09/2019</a:t>
+              <a:t>10/09/2019</a:t>
             </a:fld>
             <a:endParaRPr lang="en-GB"/>
           </a:p>
@@ -641,7 +641,7 @@
           <a:p>
             <a:fld id="{0D09D381-CF92-4F3A-98BB-952451E940D4}" type="datetimeFigureOut">
               <a:rPr lang="en-GB" smtClean="0"/>
-              <a:t>09/09/2019</a:t>
+              <a:t>10/09/2019</a:t>
             </a:fld>
             <a:endParaRPr lang="en-GB"/>
           </a:p>
@@ -811,7 +811,7 @@
           <a:p>
             <a:fld id="{0D09D381-CF92-4F3A-98BB-952451E940D4}" type="datetimeFigureOut">
               <a:rPr lang="en-GB" smtClean="0"/>
-              <a:t>09/09/2019</a:t>
+              <a:t>10/09/2019</a:t>
             </a:fld>
             <a:endParaRPr lang="en-GB"/>
           </a:p>
@@ -1057,7 +1057,7 @@
           <a:p>
             <a:fld id="{0D09D381-CF92-4F3A-98BB-952451E940D4}" type="datetimeFigureOut">
               <a:rPr lang="en-GB" smtClean="0"/>
-              <a:t>09/09/2019</a:t>
+              <a:t>10/09/2019</a:t>
             </a:fld>
             <a:endParaRPr lang="en-GB"/>
           </a:p>
@@ -1289,7 +1289,7 @@
           <a:p>
             <a:fld id="{0D09D381-CF92-4F3A-98BB-952451E940D4}" type="datetimeFigureOut">
               <a:rPr lang="en-GB" smtClean="0"/>
-              <a:t>09/09/2019</a:t>
+              <a:t>10/09/2019</a:t>
             </a:fld>
             <a:endParaRPr lang="en-GB"/>
           </a:p>
@@ -1656,7 +1656,7 @@
           <a:p>
             <a:fld id="{0D09D381-CF92-4F3A-98BB-952451E940D4}" type="datetimeFigureOut">
               <a:rPr lang="en-GB" smtClean="0"/>
-              <a:t>09/09/2019</a:t>
+              <a:t>10/09/2019</a:t>
             </a:fld>
             <a:endParaRPr lang="en-GB"/>
           </a:p>
@@ -1774,7 +1774,7 @@
           <a:p>
             <a:fld id="{0D09D381-CF92-4F3A-98BB-952451E940D4}" type="datetimeFigureOut">
               <a:rPr lang="en-GB" smtClean="0"/>
-              <a:t>09/09/2019</a:t>
+              <a:t>10/09/2019</a:t>
             </a:fld>
             <a:endParaRPr lang="en-GB"/>
           </a:p>
@@ -1869,7 +1869,7 @@
           <a:p>
             <a:fld id="{0D09D381-CF92-4F3A-98BB-952451E940D4}" type="datetimeFigureOut">
               <a:rPr lang="en-GB" smtClean="0"/>
-              <a:t>09/09/2019</a:t>
+              <a:t>10/09/2019</a:t>
             </a:fld>
             <a:endParaRPr lang="en-GB"/>
           </a:p>
@@ -2146,7 +2146,7 @@
           <a:p>
             <a:fld id="{0D09D381-CF92-4F3A-98BB-952451E940D4}" type="datetimeFigureOut">
               <a:rPr lang="en-GB" smtClean="0"/>
-              <a:t>09/09/2019</a:t>
+              <a:t>10/09/2019</a:t>
             </a:fld>
             <a:endParaRPr lang="en-GB"/>
           </a:p>
@@ -2403,7 +2403,7 @@
           <a:p>
             <a:fld id="{0D09D381-CF92-4F3A-98BB-952451E940D4}" type="datetimeFigureOut">
               <a:rPr lang="en-GB" smtClean="0"/>
-              <a:t>09/09/2019</a:t>
+              <a:t>10/09/2019</a:t>
             </a:fld>
             <a:endParaRPr lang="en-GB"/>
           </a:p>
@@ -2619,7 +2619,7 @@
           <a:p>
             <a:fld id="{0D09D381-CF92-4F3A-98BB-952451E940D4}" type="datetimeFigureOut">
               <a:rPr lang="en-GB" smtClean="0"/>
-              <a:t>09/09/2019</a:t>
+              <a:t>10/09/2019</a:t>
             </a:fld>
             <a:endParaRPr lang="en-GB"/>
           </a:p>
@@ -4241,65 +4241,11 @@
         <p:grpSpPr>
           <a:xfrm>
             <a:off x="590528" y="2298345"/>
-            <a:ext cx="5505472" cy="3244428"/>
+            <a:ext cx="5505472" cy="3381318"/>
             <a:chOff x="677625" y="1963478"/>
-            <a:chExt cx="8914024" cy="5253120"/>
+            <a:chExt cx="8914024" cy="5474761"/>
           </a:xfrm>
         </p:grpSpPr>
-        <p:sp>
-          <p:nvSpPr>
-            <p:cNvPr id="7" name="Oval 6">
-              <a:extLst>
-                <a:ext uri="{FF2B5EF4-FFF2-40B4-BE49-F238E27FC236}">
-                  <a16:creationId xmlns:a16="http://schemas.microsoft.com/office/drawing/2014/main" id="{4E00A7F6-2E4A-47D5-B5D7-03E324799126}"/>
-                </a:ext>
-              </a:extLst>
-            </p:cNvPr>
-            <p:cNvSpPr/>
-            <p:nvPr/>
-          </p:nvSpPr>
-          <p:spPr>
-            <a:xfrm rot="5400000">
-              <a:off x="859464" y="3508744"/>
-              <a:ext cx="999461" cy="999461"/>
-            </a:xfrm>
-            <a:prstGeom prst="ellipse">
-              <a:avLst/>
-            </a:prstGeom>
-            <a:solidFill>
-              <a:schemeClr val="tx1"/>
-            </a:solidFill>
-            <a:ln>
-              <a:solidFill>
-                <a:schemeClr val="tx1"/>
-              </a:solidFill>
-            </a:ln>
-          </p:spPr>
-          <p:style>
-            <a:lnRef idx="2">
-              <a:schemeClr val="accent1">
-                <a:shade val="50000"/>
-              </a:schemeClr>
-            </a:lnRef>
-            <a:fillRef idx="1">
-              <a:schemeClr val="accent1"/>
-            </a:fillRef>
-            <a:effectRef idx="0">
-              <a:schemeClr val="accent1"/>
-            </a:effectRef>
-            <a:fontRef idx="minor">
-              <a:schemeClr val="lt1"/>
-            </a:fontRef>
-          </p:style>
-          <p:txBody>
-            <a:bodyPr rtlCol="0" anchor="ctr"/>
-            <a:lstStyle/>
-            <a:p>
-              <a:pPr algn="ctr"/>
-              <a:endParaRPr lang="en-GB"/>
-            </a:p>
-          </p:txBody>
-        </p:sp>
         <p:sp>
           <p:nvSpPr>
             <p:cNvPr id="8" name="Oval 7">
@@ -5665,7 +5611,7 @@
           <p:spPr>
             <a:xfrm>
               <a:off x="677625" y="6840246"/>
-              <a:ext cx="1436879" cy="376352"/>
+              <a:ext cx="1436879" cy="597993"/>
             </a:xfrm>
             <a:prstGeom prst="rect">
               <a:avLst/>
@@ -5683,8 +5629,12 @@
             <a:p>
               <a:pPr algn="ctr"/>
               <a:r>
+                <a:rPr lang="en-GB"/>
+                <a:t>n=</a:t>
+              </a:r>
+              <a:r>
                 <a:rPr lang="en-GB" dirty="0"/>
-                <a:t>n=1</a:t>
+                <a:t>7</a:t>
               </a:r>
             </a:p>
           </p:txBody>
@@ -5922,7 +5872,7 @@
             </a:pPr>
             <a:r>
               <a:rPr lang="en-GB" sz="2800" dirty="0"/>
-              <a:t>Feature Set: position vector, orientation vector, old SIF</a:t>
+              <a:t>Feature Set: position vector, old SIF, angle</a:t>
             </a:r>
           </a:p>
           <a:p>
@@ -5984,6 +5934,330 @@
           </a:p>
           <a:p>
             <a:endParaRPr lang="en-GB" dirty="0"/>
+          </a:p>
+        </p:txBody>
+      </p:sp>
+      <p:sp>
+        <p:nvSpPr>
+          <p:cNvPr id="39" name="Oval 38">
+            <a:extLst>
+              <a:ext uri="{FF2B5EF4-FFF2-40B4-BE49-F238E27FC236}">
+                <a16:creationId xmlns:a16="http://schemas.microsoft.com/office/drawing/2014/main" id="{50601260-2E9C-487D-AF9A-EE9FAD249E44}"/>
+              </a:ext>
+            </a:extLst>
+          </p:cNvPr>
+          <p:cNvSpPr/>
+          <p:nvPr/>
+        </p:nvSpPr>
+        <p:spPr>
+          <a:xfrm rot="5400000">
+            <a:off x="701192" y="3068789"/>
+            <a:ext cx="617286" cy="617286"/>
+          </a:xfrm>
+          <a:prstGeom prst="ellipse">
+            <a:avLst/>
+          </a:prstGeom>
+          <a:solidFill>
+            <a:schemeClr val="tx1"/>
+          </a:solidFill>
+          <a:ln>
+            <a:solidFill>
+              <a:schemeClr val="tx1"/>
+            </a:solidFill>
+          </a:ln>
+        </p:spPr>
+        <p:style>
+          <a:lnRef idx="2">
+            <a:schemeClr val="accent1">
+              <a:shade val="50000"/>
+            </a:schemeClr>
+          </a:lnRef>
+          <a:fillRef idx="1">
+            <a:schemeClr val="accent1"/>
+          </a:fillRef>
+          <a:effectRef idx="0">
+            <a:schemeClr val="accent1"/>
+          </a:effectRef>
+          <a:fontRef idx="minor">
+            <a:schemeClr val="lt1"/>
+          </a:fontRef>
+        </p:style>
+        <p:txBody>
+          <a:bodyPr rtlCol="0" anchor="ctr"/>
+          <a:lstStyle/>
+          <a:p>
+            <a:pPr algn="ctr"/>
+            <a:endParaRPr lang="en-GB"/>
+          </a:p>
+        </p:txBody>
+      </p:sp>
+      <p:sp>
+        <p:nvSpPr>
+          <p:cNvPr id="40" name="Oval 39">
+            <a:extLst>
+              <a:ext uri="{FF2B5EF4-FFF2-40B4-BE49-F238E27FC236}">
+                <a16:creationId xmlns:a16="http://schemas.microsoft.com/office/drawing/2014/main" id="{D334FC16-EE5B-4B8D-ACB0-D56929AA94FC}"/>
+              </a:ext>
+            </a:extLst>
+          </p:cNvPr>
+          <p:cNvSpPr/>
+          <p:nvPr/>
+        </p:nvSpPr>
+        <p:spPr>
+          <a:xfrm rot="5400000">
+            <a:off x="701192" y="2298345"/>
+            <a:ext cx="617286" cy="617286"/>
+          </a:xfrm>
+          <a:prstGeom prst="ellipse">
+            <a:avLst/>
+          </a:prstGeom>
+          <a:solidFill>
+            <a:schemeClr val="tx1"/>
+          </a:solidFill>
+          <a:ln>
+            <a:solidFill>
+              <a:schemeClr val="tx1"/>
+            </a:solidFill>
+          </a:ln>
+        </p:spPr>
+        <p:style>
+          <a:lnRef idx="2">
+            <a:schemeClr val="accent1">
+              <a:shade val="50000"/>
+            </a:schemeClr>
+          </a:lnRef>
+          <a:fillRef idx="1">
+            <a:schemeClr val="accent1"/>
+          </a:fillRef>
+          <a:effectRef idx="0">
+            <a:schemeClr val="accent1"/>
+          </a:effectRef>
+          <a:fontRef idx="minor">
+            <a:schemeClr val="lt1"/>
+          </a:fontRef>
+        </p:style>
+        <p:txBody>
+          <a:bodyPr rtlCol="0" anchor="ctr"/>
+          <a:lstStyle/>
+          <a:p>
+            <a:pPr algn="ctr"/>
+            <a:endParaRPr lang="en-GB"/>
+          </a:p>
+        </p:txBody>
+      </p:sp>
+      <p:sp>
+        <p:nvSpPr>
+          <p:cNvPr id="41" name="Oval 40">
+            <a:extLst>
+              <a:ext uri="{FF2B5EF4-FFF2-40B4-BE49-F238E27FC236}">
+                <a16:creationId xmlns:a16="http://schemas.microsoft.com/office/drawing/2014/main" id="{22137B3E-2063-44AF-9594-239DA4C198AC}"/>
+              </a:ext>
+            </a:extLst>
+          </p:cNvPr>
+          <p:cNvSpPr/>
+          <p:nvPr/>
+        </p:nvSpPr>
+        <p:spPr>
+          <a:xfrm rot="5400000">
+            <a:off x="701192" y="4222439"/>
+            <a:ext cx="617286" cy="617286"/>
+          </a:xfrm>
+          <a:prstGeom prst="ellipse">
+            <a:avLst/>
+          </a:prstGeom>
+          <a:solidFill>
+            <a:schemeClr val="tx1"/>
+          </a:solidFill>
+          <a:ln>
+            <a:solidFill>
+              <a:schemeClr val="tx1"/>
+            </a:solidFill>
+          </a:ln>
+        </p:spPr>
+        <p:style>
+          <a:lnRef idx="2">
+            <a:schemeClr val="accent1">
+              <a:shade val="50000"/>
+            </a:schemeClr>
+          </a:lnRef>
+          <a:fillRef idx="1">
+            <a:schemeClr val="accent1"/>
+          </a:fillRef>
+          <a:effectRef idx="0">
+            <a:schemeClr val="accent1"/>
+          </a:effectRef>
+          <a:fontRef idx="minor">
+            <a:schemeClr val="lt1"/>
+          </a:fontRef>
+        </p:style>
+        <p:txBody>
+          <a:bodyPr rtlCol="0" anchor="ctr"/>
+          <a:lstStyle/>
+          <a:p>
+            <a:pPr algn="ctr"/>
+            <a:endParaRPr lang="en-GB"/>
+          </a:p>
+        </p:txBody>
+      </p:sp>
+      <p:sp>
+        <p:nvSpPr>
+          <p:cNvPr id="42" name="Oval 41">
+            <a:extLst>
+              <a:ext uri="{FF2B5EF4-FFF2-40B4-BE49-F238E27FC236}">
+                <a16:creationId xmlns:a16="http://schemas.microsoft.com/office/drawing/2014/main" id="{69D225CD-84F7-4910-A95C-33D1F6F6563C}"/>
+              </a:ext>
+            </a:extLst>
+          </p:cNvPr>
+          <p:cNvSpPr/>
+          <p:nvPr/>
+        </p:nvSpPr>
+        <p:spPr>
+          <a:xfrm rot="5400000">
+            <a:off x="986575" y="3841215"/>
+            <a:ext cx="46517" cy="46517"/>
+          </a:xfrm>
+          <a:prstGeom prst="ellipse">
+            <a:avLst/>
+          </a:prstGeom>
+          <a:solidFill>
+            <a:schemeClr val="tx1"/>
+          </a:solidFill>
+          <a:ln>
+            <a:solidFill>
+              <a:schemeClr val="tx1"/>
+            </a:solidFill>
+          </a:ln>
+        </p:spPr>
+        <p:style>
+          <a:lnRef idx="2">
+            <a:schemeClr val="accent1">
+              <a:shade val="50000"/>
+            </a:schemeClr>
+          </a:lnRef>
+          <a:fillRef idx="1">
+            <a:schemeClr val="accent1"/>
+          </a:fillRef>
+          <a:effectRef idx="0">
+            <a:schemeClr val="accent1"/>
+          </a:effectRef>
+          <a:fontRef idx="minor">
+            <a:schemeClr val="lt1"/>
+          </a:fontRef>
+        </p:style>
+        <p:txBody>
+          <a:bodyPr rtlCol="0" anchor="ctr"/>
+          <a:lstStyle/>
+          <a:p>
+            <a:pPr algn="ctr"/>
+            <a:endParaRPr lang="en-GB"/>
+          </a:p>
+        </p:txBody>
+      </p:sp>
+      <p:sp>
+        <p:nvSpPr>
+          <p:cNvPr id="43" name="Oval 42">
+            <a:extLst>
+              <a:ext uri="{FF2B5EF4-FFF2-40B4-BE49-F238E27FC236}">
+                <a16:creationId xmlns:a16="http://schemas.microsoft.com/office/drawing/2014/main" id="{710EA8EE-74C3-4BA5-B4DC-E4B40B499BA6}"/>
+              </a:ext>
+            </a:extLst>
+          </p:cNvPr>
+          <p:cNvSpPr/>
+          <p:nvPr/>
+        </p:nvSpPr>
+        <p:spPr>
+          <a:xfrm rot="5400000">
+            <a:off x="986575" y="4032817"/>
+            <a:ext cx="46517" cy="46517"/>
+          </a:xfrm>
+          <a:prstGeom prst="ellipse">
+            <a:avLst/>
+          </a:prstGeom>
+          <a:solidFill>
+            <a:schemeClr val="tx1"/>
+          </a:solidFill>
+          <a:ln>
+            <a:solidFill>
+              <a:schemeClr val="tx1"/>
+            </a:solidFill>
+          </a:ln>
+        </p:spPr>
+        <p:style>
+          <a:lnRef idx="2">
+            <a:schemeClr val="accent1">
+              <a:shade val="50000"/>
+            </a:schemeClr>
+          </a:lnRef>
+          <a:fillRef idx="1">
+            <a:schemeClr val="accent1"/>
+          </a:fillRef>
+          <a:effectRef idx="0">
+            <a:schemeClr val="accent1"/>
+          </a:effectRef>
+          <a:fontRef idx="minor">
+            <a:schemeClr val="lt1"/>
+          </a:fontRef>
+        </p:style>
+        <p:txBody>
+          <a:bodyPr rtlCol="0" anchor="ctr"/>
+          <a:lstStyle/>
+          <a:p>
+            <a:pPr algn="ctr"/>
+            <a:endParaRPr lang="en-GB"/>
+          </a:p>
+        </p:txBody>
+      </p:sp>
+      <p:sp>
+        <p:nvSpPr>
+          <p:cNvPr id="44" name="Oval 43">
+            <a:extLst>
+              <a:ext uri="{FF2B5EF4-FFF2-40B4-BE49-F238E27FC236}">
+                <a16:creationId xmlns:a16="http://schemas.microsoft.com/office/drawing/2014/main" id="{991DBCEF-4270-4C70-930C-4A1488A2C7EC}"/>
+              </a:ext>
+            </a:extLst>
+          </p:cNvPr>
+          <p:cNvSpPr/>
+          <p:nvPr/>
+        </p:nvSpPr>
+        <p:spPr>
+          <a:xfrm rot="5400000">
+            <a:off x="986575" y="3937016"/>
+            <a:ext cx="46517" cy="46517"/>
+          </a:xfrm>
+          <a:prstGeom prst="ellipse">
+            <a:avLst/>
+          </a:prstGeom>
+          <a:solidFill>
+            <a:schemeClr val="tx1"/>
+          </a:solidFill>
+          <a:ln>
+            <a:solidFill>
+              <a:schemeClr val="tx1"/>
+            </a:solidFill>
+          </a:ln>
+        </p:spPr>
+        <p:style>
+          <a:lnRef idx="2">
+            <a:schemeClr val="accent1">
+              <a:shade val="50000"/>
+            </a:schemeClr>
+          </a:lnRef>
+          <a:fillRef idx="1">
+            <a:schemeClr val="accent1"/>
+          </a:fillRef>
+          <a:effectRef idx="0">
+            <a:schemeClr val="accent1"/>
+          </a:effectRef>
+          <a:fontRef idx="minor">
+            <a:schemeClr val="lt1"/>
+          </a:fontRef>
+        </p:style>
+        <p:txBody>
+          <a:bodyPr rtlCol="0" anchor="ctr"/>
+          <a:lstStyle/>
+          <a:p>
+            <a:pPr algn="ctr"/>
+            <a:endParaRPr lang="en-GB"/>
           </a:p>
         </p:txBody>
       </p:sp>
@@ -6017,8 +6291,8 @@
           <a:chExt cx="0" cy="0"/>
         </a:xfrm>
       </p:grpSpPr>
-      <mc:AlternateContent xmlns:mc="http://schemas.openxmlformats.org/markup-compatibility/2006">
-        <mc:Choice xmlns:a14="http://schemas.microsoft.com/office/drawing/2010/main" Requires="a14">
+      <mc:AlternateContent xmlns:mc="http://schemas.openxmlformats.org/markup-compatibility/2006" xmlns:a14="http://schemas.microsoft.com/office/drawing/2010/main">
+        <mc:Choice Requires="a14">
           <p:sp>
             <p:nvSpPr>
               <p:cNvPr id="2" name="Title 1">
@@ -6078,7 +6352,7 @@
             </p:txBody>
           </p:sp>
         </mc:Choice>
-        <mc:Fallback>
+        <mc:Fallback xmlns="">
           <p:sp>
             <p:nvSpPr>
               <p:cNvPr id="2" name="Title 1">
@@ -6255,8 +6529,8 @@
           <a:chExt cx="0" cy="0"/>
         </a:xfrm>
       </p:grpSpPr>
-      <mc:AlternateContent xmlns:mc="http://schemas.openxmlformats.org/markup-compatibility/2006">
-        <mc:Choice xmlns:a14="http://schemas.microsoft.com/office/drawing/2010/main" Requires="a14">
+      <mc:AlternateContent xmlns:mc="http://schemas.openxmlformats.org/markup-compatibility/2006" xmlns:a14="http://schemas.microsoft.com/office/drawing/2010/main">
+        <mc:Choice Requires="a14">
           <p:sp>
             <p:nvSpPr>
               <p:cNvPr id="2" name="Title 1">
@@ -6322,7 +6596,7 @@
             </p:txBody>
           </p:sp>
         </mc:Choice>
-        <mc:Fallback>
+        <mc:Fallback xmlns="">
           <p:sp>
             <p:nvSpPr>
               <p:cNvPr id="2" name="Title 1">
@@ -6497,8 +6771,8 @@
           <a:chExt cx="0" cy="0"/>
         </a:xfrm>
       </p:grpSpPr>
-      <mc:AlternateContent xmlns:mc="http://schemas.openxmlformats.org/markup-compatibility/2006">
-        <mc:Choice xmlns:a14="http://schemas.microsoft.com/office/drawing/2010/main" Requires="a14">
+      <mc:AlternateContent xmlns:mc="http://schemas.openxmlformats.org/markup-compatibility/2006" xmlns:a14="http://schemas.microsoft.com/office/drawing/2010/main">
+        <mc:Choice Requires="a14">
           <p:sp>
             <p:nvSpPr>
               <p:cNvPr id="2" name="Title 1">
@@ -6564,7 +6838,7 @@
             </p:txBody>
           </p:sp>
         </mc:Choice>
-        <mc:Fallback>
+        <mc:Fallback xmlns="">
           <p:sp>
             <p:nvSpPr>
               <p:cNvPr id="2" name="Title 1">
@@ -6767,8 +7041,8 @@
           </a:p>
         </p:txBody>
       </p:sp>
-      <mc:AlternateContent xmlns:mc="http://schemas.openxmlformats.org/markup-compatibility/2006">
-        <mc:Choice xmlns:a14="http://schemas.microsoft.com/office/drawing/2010/main" Requires="a14">
+      <mc:AlternateContent xmlns:mc="http://schemas.openxmlformats.org/markup-compatibility/2006" xmlns:a14="http://schemas.microsoft.com/office/drawing/2010/main">
+        <mc:Choice Requires="a14">
           <p:sp>
             <p:nvSpPr>
               <p:cNvPr id="3" name="Content Placeholder 2">
@@ -6943,7 +7217,7 @@
             </p:txBody>
           </p:sp>
         </mc:Choice>
-        <mc:Fallback>
+        <mc:Fallback xmlns="">
           <p:sp>
             <p:nvSpPr>
               <p:cNvPr id="3" name="Content Placeholder 2">
@@ -9186,8 +9460,8 @@
           </a:p>
         </p:txBody>
       </p:sp>
-      <mc:AlternateContent xmlns:mc="http://schemas.openxmlformats.org/markup-compatibility/2006">
-        <mc:Choice xmlns:p14="http://schemas.microsoft.com/office/powerpoint/2010/main" Requires="p14">
+      <mc:AlternateContent xmlns:mc="http://schemas.openxmlformats.org/markup-compatibility/2006" xmlns:p14="http://schemas.microsoft.com/office/powerpoint/2010/main">
+        <mc:Choice Requires="p14">
           <p:contentPart p14:bwMode="auto" r:id="rId2">
             <p14:nvContentPartPr>
               <p14:cNvPr id="4" name="Ink 3">
@@ -9206,7 +9480,7 @@
             </p14:xfrm>
           </p:contentPart>
         </mc:Choice>
-        <mc:Fallback>
+        <mc:Fallback xmlns="">
           <p:pic>
             <p:nvPicPr>
               <p:cNvPr id="4" name="Ink 3">
@@ -9570,8 +9844,8 @@
           </a:p>
         </p:txBody>
       </p:sp>
-      <mc:AlternateContent xmlns:mc="http://schemas.openxmlformats.org/markup-compatibility/2006">
-        <mc:Choice xmlns:a14="http://schemas.microsoft.com/office/drawing/2010/main" Requires="a14">
+      <mc:AlternateContent xmlns:mc="http://schemas.openxmlformats.org/markup-compatibility/2006" xmlns:a14="http://schemas.microsoft.com/office/drawing/2010/main">
+        <mc:Choice Requires="a14">
           <p:sp>
             <p:nvSpPr>
               <p:cNvPr id="3" name="Content Placeholder 2">
@@ -9880,7 +10154,7 @@
             </p:txBody>
           </p:sp>
         </mc:Choice>
-        <mc:Fallback>
+        <mc:Fallback xmlns="">
           <p:sp>
             <p:nvSpPr>
               <p:cNvPr id="3" name="Content Placeholder 2">
